--- a/task_4/task_4.pptx
+++ b/task_4/task_4.pptx
@@ -210,6 +210,11 @@
                 </a:outerShdw>
               </a:effectLst>
             </c:spPr>
+            <c:extLst>
+              <c:ext xmlns:c16="http://schemas.microsoft.com/office/drawing/2014/chart" uri="{C3380CC4-5D6E-409C-BE32-E72D297353CC}">
+                <c16:uniqueId val="{00000001-8A43-40FD-A878-67FA375844FC}"/>
+              </c:ext>
+            </c:extLst>
           </c:dPt>
           <c:dPt>
             <c:idx val="1"/>
@@ -229,6 +234,11 @@
                 </a:outerShdw>
               </a:effectLst>
             </c:spPr>
+            <c:extLst>
+              <c:ext xmlns:c16="http://schemas.microsoft.com/office/drawing/2014/chart" uri="{C3380CC4-5D6E-409C-BE32-E72D297353CC}">
+                <c16:uniqueId val="{00000003-8A43-40FD-A878-67FA375844FC}"/>
+              </c:ext>
+            </c:extLst>
           </c:dPt>
           <c:dLbls>
             <c:spPr>
@@ -4355,8 +4365,22 @@
           <a:lstStyle/>
           <a:p>
             <a:r>
-              <a:t>Feasibility Analysis of Expanding eManat Kiosks in Nakhchivan</a:t>
-            </a:r>
+              <a:rPr dirty="0"/>
+              <a:t>Feasibility Analysis of Expanding </a:t>
+            </a:r>
+            <a:r>
+              <a:rPr dirty="0" err="1"/>
+              <a:t>eManat</a:t>
+            </a:r>
+            <a:r>
+              <a:rPr dirty="0"/>
+              <a:t> Kiosks in </a:t>
+            </a:r>
+            <a:r>
+              <a:rPr dirty="0" err="1"/>
+              <a:t>Nakhchivan</a:t>
+            </a:r>
+            <a:endParaRPr dirty="0"/>
           </a:p>
         </p:txBody>
       </p:sp>
